--- a/01. MLP & FFNN/MLP_FFNN_ByeongJo.pptx
+++ b/01. MLP & FFNN/MLP_FFNN_ByeongJo.pptx
@@ -245,7 +245,7 @@
           <a:p>
             <a:fld id="{EA15C6CE-B906-41F9-AE9C-2DA8983512E5}" type="datetimeFigureOut">
               <a:rPr lang="ko-KR" altLang="en-US" smtClean="0"/>
-              <a:t>2017-11-06</a:t>
+              <a:t>2017-11-08</a:t>
             </a:fld>
             <a:endParaRPr lang="ko-KR" altLang="en-US"/>
           </a:p>
@@ -770,6 +770,64 @@
           <a:bodyPr/>
           <a:lstStyle/>
           <a:p>
+            <a:r>
+              <a:rPr lang="ko-KR" altLang="en-US" dirty="0"/>
+              <a:t>이를 해결 할 수 있는 방법은 여러 개의 </a:t>
+            </a:r>
+            <a:r>
+              <a:rPr lang="ko-KR" altLang="en-US" dirty="0" err="1"/>
+              <a:t>퍼셉트론을</a:t>
+            </a:r>
+            <a:r>
+              <a:rPr lang="ko-KR" altLang="en-US" dirty="0"/>
+              <a:t> 사용 하는 것 입니다</a:t>
+            </a:r>
+            <a:r>
+              <a:rPr lang="en-US" altLang="ko-KR" dirty="0"/>
+              <a:t>.</a:t>
+            </a:r>
+          </a:p>
+          <a:p>
+            <a:r>
+              <a:rPr lang="ko-KR" altLang="en-US" dirty="0"/>
+              <a:t>다층 </a:t>
+            </a:r>
+            <a:r>
+              <a:rPr lang="ko-KR" altLang="en-US" dirty="0" err="1"/>
+              <a:t>퍼셉트론은</a:t>
+            </a:r>
+            <a:r>
+              <a:rPr lang="ko-KR" altLang="en-US" dirty="0"/>
+              <a:t> 입력층과 </a:t>
+            </a:r>
+            <a:r>
+              <a:rPr lang="ko-KR" altLang="en-US" dirty="0" err="1"/>
+              <a:t>출력층</a:t>
+            </a:r>
+            <a:r>
+              <a:rPr lang="ko-KR" altLang="en-US" dirty="0"/>
+              <a:t> 사이에 은닉층을 추가하여 학습을 시키는 방법 입니다</a:t>
+            </a:r>
+            <a:r>
+              <a:rPr lang="en-US" altLang="ko-KR" dirty="0"/>
+              <a:t>.</a:t>
+            </a:r>
+          </a:p>
+          <a:p>
+            <a:r>
+              <a:rPr lang="en-US" altLang="ko-KR" dirty="0"/>
+              <a:t>&lt;</a:t>
+            </a:r>
+            <a:r>
+              <a:rPr lang="ko-KR" altLang="en-US" dirty="0"/>
+              <a:t>그림설명</a:t>
+            </a:r>
+            <a:r>
+              <a:rPr lang="en-US" altLang="ko-KR" dirty="0"/>
+              <a:t>&gt;</a:t>
+            </a:r>
+          </a:p>
+          <a:p>
             <a:endParaRPr lang="ko-KR" altLang="en-US" dirty="0"/>
           </a:p>
         </p:txBody>
@@ -791,7 +849,7 @@
           <a:p>
             <a:fld id="{ED1729DF-A41C-4268-AF91-3DE31C2FD5F2}" type="slidenum">
               <a:rPr lang="ko-KR" altLang="en-US" smtClean="0"/>
-              <a:t>14</a:t>
+              <a:t>11</a:t>
             </a:fld>
             <a:endParaRPr lang="ko-KR" altLang="en-US"/>
           </a:p>
@@ -800,7 +858,7 @@
     </p:spTree>
     <p:extLst>
       <p:ext uri="{BB962C8B-B14F-4D97-AF65-F5344CB8AC3E}">
-        <p14:creationId xmlns:p14="http://schemas.microsoft.com/office/powerpoint/2010/main" val="945366613"/>
+        <p14:creationId xmlns:p14="http://schemas.microsoft.com/office/powerpoint/2010/main" val="1053544134"/>
       </p:ext>
     </p:extLst>
   </p:cSld>
@@ -854,7 +912,90 @@
           <a:bodyPr/>
           <a:lstStyle/>
           <a:p>
-            <a:endParaRPr lang="ko-KR" altLang="en-US" dirty="0"/>
+            <a:r>
+              <a:rPr lang="ko-KR" altLang="en-US" dirty="0"/>
+              <a:t>다층 </a:t>
+            </a:r>
+            <a:r>
+              <a:rPr lang="ko-KR" altLang="en-US" dirty="0" err="1"/>
+              <a:t>퍼셉트론의</a:t>
+            </a:r>
+            <a:r>
+              <a:rPr lang="ko-KR" altLang="en-US" dirty="0"/>
+              <a:t> 간단한 설명을 드리자면</a:t>
+            </a:r>
+            <a:endParaRPr lang="en-US" altLang="ko-KR" dirty="0"/>
+          </a:p>
+          <a:p>
+            <a:r>
+              <a:rPr lang="ko-KR" altLang="en-US" dirty="0"/>
+              <a:t>단일 </a:t>
+            </a:r>
+            <a:r>
+              <a:rPr lang="ko-KR" altLang="en-US" dirty="0" err="1"/>
+              <a:t>퍼셉트론과</a:t>
+            </a:r>
+            <a:r>
+              <a:rPr lang="ko-KR" altLang="en-US" dirty="0"/>
+              <a:t> 마찬 가지로 초기화가 이루어 집니다</a:t>
+            </a:r>
+            <a:r>
+              <a:rPr lang="en-US" altLang="ko-KR" dirty="0"/>
+              <a:t>.</a:t>
+            </a:r>
+          </a:p>
+          <a:p>
+            <a:r>
+              <a:rPr lang="ko-KR" altLang="en-US" dirty="0"/>
+              <a:t>가중치와 바이어스들을 초기화 한 후</a:t>
+            </a:r>
+            <a:endParaRPr lang="en-US" altLang="ko-KR" dirty="0"/>
+          </a:p>
+          <a:p>
+            <a:r>
+              <a:rPr lang="ko-KR" altLang="en-US" dirty="0" err="1"/>
+              <a:t>순전파</a:t>
+            </a:r>
+            <a:r>
+              <a:rPr lang="ko-KR" altLang="en-US" dirty="0"/>
+              <a:t> 그리고 역전파가 이루어 집니다</a:t>
+            </a:r>
+            <a:r>
+              <a:rPr lang="en-US" altLang="ko-KR" dirty="0"/>
+              <a:t>.</a:t>
+            </a:r>
+          </a:p>
+          <a:p>
+            <a:r>
+              <a:rPr lang="ko-KR" altLang="en-US" dirty="0"/>
+              <a:t>이렇게 학습이 되어지는데 이 학습은 오차의 합이 허용 오차보다 작을 때 까지 계속 되어집니다</a:t>
+            </a:r>
+            <a:r>
+              <a:rPr lang="en-US" altLang="ko-KR" dirty="0"/>
+              <a:t>.</a:t>
+            </a:r>
+          </a:p>
+          <a:p>
+            <a:endParaRPr lang="en-US" altLang="ko-KR" dirty="0"/>
+          </a:p>
+          <a:p>
+            <a:r>
+              <a:rPr lang="ko-KR" altLang="en-US" dirty="0"/>
+              <a:t>한단계 </a:t>
+            </a:r>
+            <a:r>
+              <a:rPr lang="ko-KR" altLang="en-US" dirty="0" err="1"/>
+              <a:t>한단계</a:t>
+            </a:r>
+            <a:r>
+              <a:rPr lang="ko-KR" altLang="en-US" dirty="0"/>
+              <a:t> 자세하게 </a:t>
+            </a:r>
+            <a:r>
+              <a:rPr lang="ko-KR" altLang="en-US" dirty="0" err="1"/>
+              <a:t>ㄱ</a:t>
+            </a:r>
+            <a:endParaRPr lang="en-US" altLang="ko-KR" dirty="0"/>
           </a:p>
         </p:txBody>
       </p:sp>
@@ -875,7 +1016,7 @@
           <a:p>
             <a:fld id="{ED1729DF-A41C-4268-AF91-3DE31C2FD5F2}" type="slidenum">
               <a:rPr lang="ko-KR" altLang="en-US" smtClean="0"/>
-              <a:t>16</a:t>
+              <a:t>12</a:t>
             </a:fld>
             <a:endParaRPr lang="ko-KR" altLang="en-US"/>
           </a:p>
@@ -884,7 +1025,7 @@
     </p:spTree>
     <p:extLst>
       <p:ext uri="{BB962C8B-B14F-4D97-AF65-F5344CB8AC3E}">
-        <p14:creationId xmlns:p14="http://schemas.microsoft.com/office/powerpoint/2010/main" val="933546029"/>
+        <p14:creationId xmlns:p14="http://schemas.microsoft.com/office/powerpoint/2010/main" val="4239724396"/>
       </p:ext>
     </p:extLst>
   </p:cSld>
@@ -959,7 +1100,7 @@
           <a:p>
             <a:fld id="{ED1729DF-A41C-4268-AF91-3DE31C2FD5F2}" type="slidenum">
               <a:rPr lang="ko-KR" altLang="en-US" smtClean="0"/>
-              <a:t>17</a:t>
+              <a:t>13</a:t>
             </a:fld>
             <a:endParaRPr lang="ko-KR" altLang="en-US"/>
           </a:p>
@@ -968,7 +1109,7 @@
     </p:spTree>
     <p:extLst>
       <p:ext uri="{BB962C8B-B14F-4D97-AF65-F5344CB8AC3E}">
-        <p14:creationId xmlns:p14="http://schemas.microsoft.com/office/powerpoint/2010/main" val="3688139169"/>
+        <p14:creationId xmlns:p14="http://schemas.microsoft.com/office/powerpoint/2010/main" val="2651767156"/>
       </p:ext>
     </p:extLst>
   </p:cSld>
@@ -1043,6 +1184,469 @@
           <a:p>
             <a:fld id="{ED1729DF-A41C-4268-AF91-3DE31C2FD5F2}" type="slidenum">
               <a:rPr lang="ko-KR" altLang="en-US" smtClean="0"/>
+              <a:t>14</a:t>
+            </a:fld>
+            <a:endParaRPr lang="ko-KR" altLang="en-US"/>
+          </a:p>
+        </p:txBody>
+      </p:sp>
+    </p:spTree>
+    <p:extLst>
+      <p:ext uri="{BB962C8B-B14F-4D97-AF65-F5344CB8AC3E}">
+        <p14:creationId xmlns:p14="http://schemas.microsoft.com/office/powerpoint/2010/main" val="945366613"/>
+      </p:ext>
+    </p:extLst>
+  </p:cSld>
+  <p:clrMapOvr>
+    <a:masterClrMapping/>
+  </p:clrMapOvr>
+</p:notes>
+</file>
+
+<file path=ppt/notesSlides/notesSlide15.xml><?xml version="1.0" encoding="utf-8"?>
+<p:notes xmlns:a="http://schemas.openxmlformats.org/drawingml/2006/main" xmlns:r="http://schemas.openxmlformats.org/officeDocument/2006/relationships" xmlns:p="http://schemas.openxmlformats.org/presentationml/2006/main">
+  <p:cSld>
+    <p:spTree>
+      <p:nvGrpSpPr>
+        <p:cNvPr id="1" name=""/>
+        <p:cNvGrpSpPr/>
+        <p:nvPr/>
+      </p:nvGrpSpPr>
+      <p:grpSpPr>
+        <a:xfrm>
+          <a:off x="0" y="0"/>
+          <a:ext cx="0" cy="0"/>
+          <a:chOff x="0" y="0"/>
+          <a:chExt cx="0" cy="0"/>
+        </a:xfrm>
+      </p:grpSpPr>
+      <p:sp>
+        <p:nvSpPr>
+          <p:cNvPr id="2" name="슬라이드 이미지 개체 틀 1"/>
+          <p:cNvSpPr>
+            <a:spLocks noGrp="1" noRot="1" noChangeAspect="1"/>
+          </p:cNvSpPr>
+          <p:nvPr>
+            <p:ph type="sldImg"/>
+          </p:nvPr>
+        </p:nvSpPr>
+        <p:spPr/>
+      </p:sp>
+      <p:sp>
+        <p:nvSpPr>
+          <p:cNvPr id="3" name="슬라이드 노트 개체 틀 2"/>
+          <p:cNvSpPr>
+            <a:spLocks noGrp="1"/>
+          </p:cNvSpPr>
+          <p:nvPr>
+            <p:ph type="body" idx="1"/>
+          </p:nvPr>
+        </p:nvSpPr>
+        <p:spPr/>
+        <p:txBody>
+          <a:bodyPr/>
+          <a:lstStyle/>
+          <a:p>
+            <a:r>
+              <a:rPr lang="ko-KR" altLang="en-US" dirty="0"/>
+              <a:t>단일 </a:t>
+            </a:r>
+            <a:r>
+              <a:rPr lang="ko-KR" altLang="en-US" dirty="0" err="1"/>
+              <a:t>퍼셉트론은</a:t>
+            </a:r>
+            <a:r>
+              <a:rPr lang="ko-KR" altLang="en-US" dirty="0"/>
+              <a:t> 간단한 수식으로 학습이 </a:t>
+            </a:r>
+            <a:r>
+              <a:rPr lang="ko-KR" altLang="en-US" dirty="0" err="1"/>
+              <a:t>가능했다는거</a:t>
+            </a:r>
+            <a:r>
+              <a:rPr lang="ko-KR" altLang="en-US" dirty="0"/>
+              <a:t> 보셨을 것입니다</a:t>
+            </a:r>
+            <a:r>
+              <a:rPr lang="en-US" altLang="ko-KR" dirty="0"/>
+              <a:t>.</a:t>
+            </a:r>
+          </a:p>
+          <a:p>
+            <a:r>
+              <a:rPr lang="ko-KR" altLang="en-US" dirty="0"/>
+              <a:t>하지만 다층 </a:t>
+            </a:r>
+            <a:r>
+              <a:rPr lang="ko-KR" altLang="en-US" dirty="0" err="1"/>
+              <a:t>퍼셉트론은</a:t>
+            </a:r>
+            <a:r>
+              <a:rPr lang="ko-KR" altLang="en-US" dirty="0"/>
+              <a:t> 각층마다 </a:t>
+            </a:r>
+            <a:r>
+              <a:rPr lang="ko-KR" altLang="en-US" dirty="0" err="1"/>
+              <a:t>각노드마다</a:t>
+            </a:r>
+            <a:r>
+              <a:rPr lang="ko-KR" altLang="en-US" dirty="0"/>
+              <a:t> 결과를 어떻게 반영해야 할지 어렵습니다</a:t>
+            </a:r>
+            <a:r>
+              <a:rPr lang="en-US" altLang="ko-KR" dirty="0"/>
+              <a:t>.</a:t>
+            </a:r>
+          </a:p>
+          <a:p>
+            <a:r>
+              <a:rPr lang="ko-KR" altLang="en-US" dirty="0"/>
+              <a:t>이때 나온 것이 </a:t>
+            </a:r>
+            <a:r>
+              <a:rPr lang="ko-KR" altLang="en-US" dirty="0" err="1"/>
+              <a:t>역전파</a:t>
+            </a:r>
+            <a:r>
+              <a:rPr lang="ko-KR" altLang="en-US" dirty="0"/>
+              <a:t> </a:t>
+            </a:r>
+            <a:r>
+              <a:rPr lang="en-US" altLang="ko-KR" dirty="0"/>
+              <a:t>backpropagation </a:t>
+            </a:r>
+            <a:r>
+              <a:rPr lang="ko-KR" altLang="en-US" dirty="0"/>
+              <a:t>입니다</a:t>
+            </a:r>
+            <a:r>
+              <a:rPr lang="en-US" altLang="ko-KR" dirty="0"/>
+              <a:t>.</a:t>
+            </a:r>
+          </a:p>
+          <a:p>
+            <a:endParaRPr lang="en-US" altLang="ko-KR" dirty="0"/>
+          </a:p>
+          <a:p>
+            <a:r>
+              <a:rPr lang="ko-KR" altLang="en-US" dirty="0"/>
+              <a:t>역전파의 목표는 당연히 에러를 줄이는 가중치와 </a:t>
+            </a:r>
+            <a:r>
+              <a:rPr lang="en-US" altLang="ko-KR" dirty="0"/>
+              <a:t>bias</a:t>
+            </a:r>
+            <a:r>
+              <a:rPr lang="ko-KR" altLang="en-US" dirty="0"/>
+              <a:t>를 찾는 </a:t>
+            </a:r>
+            <a:r>
+              <a:rPr lang="ko-KR" altLang="en-US"/>
+              <a:t>것 ㅣ</a:t>
+            </a:r>
+            <a:endParaRPr lang="en-US" altLang="ko-KR" dirty="0"/>
+          </a:p>
+          <a:p>
+            <a:r>
+              <a:rPr lang="ko-KR" altLang="en-US" dirty="0"/>
+              <a:t>한 가중치가 결과에 얼마나 영향을 미치는</a:t>
+            </a:r>
+            <a:endParaRPr lang="en-US" altLang="ko-KR" dirty="0"/>
+          </a:p>
+          <a:p>
+            <a:endParaRPr lang="en-US" altLang="ko-KR" dirty="0"/>
+          </a:p>
+          <a:p>
+            <a:endParaRPr lang="en-US" altLang="ko-KR" dirty="0"/>
+          </a:p>
+          <a:p>
+            <a:endParaRPr lang="en-US" altLang="ko-KR" dirty="0"/>
+          </a:p>
+          <a:p>
+            <a:r>
+              <a:rPr lang="en-US" altLang="ko-KR" dirty="0"/>
+              <a:t>Chain rule</a:t>
+            </a:r>
+            <a:r>
+              <a:rPr lang="ko-KR" altLang="en-US" dirty="0"/>
+              <a:t>을 사용하는 모습을 보여드리겠습니다</a:t>
+            </a:r>
+            <a:r>
+              <a:rPr lang="en-US" altLang="ko-KR" dirty="0"/>
+              <a:t>.</a:t>
+            </a:r>
+          </a:p>
+        </p:txBody>
+      </p:sp>
+      <p:sp>
+        <p:nvSpPr>
+          <p:cNvPr id="4" name="슬라이드 번호 개체 틀 3"/>
+          <p:cNvSpPr>
+            <a:spLocks noGrp="1"/>
+          </p:cNvSpPr>
+          <p:nvPr>
+            <p:ph type="sldNum" sz="quarter" idx="10"/>
+          </p:nvPr>
+        </p:nvSpPr>
+        <p:spPr/>
+        <p:txBody>
+          <a:bodyPr/>
+          <a:lstStyle/>
+          <a:p>
+            <a:fld id="{ED1729DF-A41C-4268-AF91-3DE31C2FD5F2}" type="slidenum">
+              <a:rPr lang="ko-KR" altLang="en-US" smtClean="0"/>
+              <a:t>15</a:t>
+            </a:fld>
+            <a:endParaRPr lang="ko-KR" altLang="en-US"/>
+          </a:p>
+        </p:txBody>
+      </p:sp>
+    </p:spTree>
+    <p:extLst>
+      <p:ext uri="{BB962C8B-B14F-4D97-AF65-F5344CB8AC3E}">
+        <p14:creationId xmlns:p14="http://schemas.microsoft.com/office/powerpoint/2010/main" val="4064750965"/>
+      </p:ext>
+    </p:extLst>
+  </p:cSld>
+  <p:clrMapOvr>
+    <a:masterClrMapping/>
+  </p:clrMapOvr>
+</p:notes>
+</file>
+
+<file path=ppt/notesSlides/notesSlide16.xml><?xml version="1.0" encoding="utf-8"?>
+<p:notes xmlns:a="http://schemas.openxmlformats.org/drawingml/2006/main" xmlns:r="http://schemas.openxmlformats.org/officeDocument/2006/relationships" xmlns:p="http://schemas.openxmlformats.org/presentationml/2006/main">
+  <p:cSld>
+    <p:spTree>
+      <p:nvGrpSpPr>
+        <p:cNvPr id="1" name=""/>
+        <p:cNvGrpSpPr/>
+        <p:nvPr/>
+      </p:nvGrpSpPr>
+      <p:grpSpPr>
+        <a:xfrm>
+          <a:off x="0" y="0"/>
+          <a:ext cx="0" cy="0"/>
+          <a:chOff x="0" y="0"/>
+          <a:chExt cx="0" cy="0"/>
+        </a:xfrm>
+      </p:grpSpPr>
+      <p:sp>
+        <p:nvSpPr>
+          <p:cNvPr id="2" name="슬라이드 이미지 개체 틀 1"/>
+          <p:cNvSpPr>
+            <a:spLocks noGrp="1" noRot="1" noChangeAspect="1"/>
+          </p:cNvSpPr>
+          <p:nvPr>
+            <p:ph type="sldImg"/>
+          </p:nvPr>
+        </p:nvSpPr>
+        <p:spPr/>
+      </p:sp>
+      <p:sp>
+        <p:nvSpPr>
+          <p:cNvPr id="3" name="슬라이드 노트 개체 틀 2"/>
+          <p:cNvSpPr>
+            <a:spLocks noGrp="1"/>
+          </p:cNvSpPr>
+          <p:nvPr>
+            <p:ph type="body" idx="1"/>
+          </p:nvPr>
+        </p:nvSpPr>
+        <p:spPr/>
+        <p:txBody>
+          <a:bodyPr/>
+          <a:lstStyle/>
+          <a:p>
+            <a:endParaRPr lang="ko-KR" altLang="en-US" dirty="0"/>
+          </a:p>
+        </p:txBody>
+      </p:sp>
+      <p:sp>
+        <p:nvSpPr>
+          <p:cNvPr id="4" name="슬라이드 번호 개체 틀 3"/>
+          <p:cNvSpPr>
+            <a:spLocks noGrp="1"/>
+          </p:cNvSpPr>
+          <p:nvPr>
+            <p:ph type="sldNum" sz="quarter" idx="10"/>
+          </p:nvPr>
+        </p:nvSpPr>
+        <p:spPr/>
+        <p:txBody>
+          <a:bodyPr/>
+          <a:lstStyle/>
+          <a:p>
+            <a:fld id="{ED1729DF-A41C-4268-AF91-3DE31C2FD5F2}" type="slidenum">
+              <a:rPr lang="ko-KR" altLang="en-US" smtClean="0"/>
+              <a:t>16</a:t>
+            </a:fld>
+            <a:endParaRPr lang="ko-KR" altLang="en-US"/>
+          </a:p>
+        </p:txBody>
+      </p:sp>
+    </p:spTree>
+    <p:extLst>
+      <p:ext uri="{BB962C8B-B14F-4D97-AF65-F5344CB8AC3E}">
+        <p14:creationId xmlns:p14="http://schemas.microsoft.com/office/powerpoint/2010/main" val="933546029"/>
+      </p:ext>
+    </p:extLst>
+  </p:cSld>
+  <p:clrMapOvr>
+    <a:masterClrMapping/>
+  </p:clrMapOvr>
+</p:notes>
+</file>
+
+<file path=ppt/notesSlides/notesSlide17.xml><?xml version="1.0" encoding="utf-8"?>
+<p:notes xmlns:a="http://schemas.openxmlformats.org/drawingml/2006/main" xmlns:r="http://schemas.openxmlformats.org/officeDocument/2006/relationships" xmlns:p="http://schemas.openxmlformats.org/presentationml/2006/main">
+  <p:cSld>
+    <p:spTree>
+      <p:nvGrpSpPr>
+        <p:cNvPr id="1" name=""/>
+        <p:cNvGrpSpPr/>
+        <p:nvPr/>
+      </p:nvGrpSpPr>
+      <p:grpSpPr>
+        <a:xfrm>
+          <a:off x="0" y="0"/>
+          <a:ext cx="0" cy="0"/>
+          <a:chOff x="0" y="0"/>
+          <a:chExt cx="0" cy="0"/>
+        </a:xfrm>
+      </p:grpSpPr>
+      <p:sp>
+        <p:nvSpPr>
+          <p:cNvPr id="2" name="슬라이드 이미지 개체 틀 1"/>
+          <p:cNvSpPr>
+            <a:spLocks noGrp="1" noRot="1" noChangeAspect="1"/>
+          </p:cNvSpPr>
+          <p:nvPr>
+            <p:ph type="sldImg"/>
+          </p:nvPr>
+        </p:nvSpPr>
+        <p:spPr/>
+      </p:sp>
+      <p:sp>
+        <p:nvSpPr>
+          <p:cNvPr id="3" name="슬라이드 노트 개체 틀 2"/>
+          <p:cNvSpPr>
+            <a:spLocks noGrp="1"/>
+          </p:cNvSpPr>
+          <p:nvPr>
+            <p:ph type="body" idx="1"/>
+          </p:nvPr>
+        </p:nvSpPr>
+        <p:spPr/>
+        <p:txBody>
+          <a:bodyPr/>
+          <a:lstStyle/>
+          <a:p>
+            <a:endParaRPr lang="ko-KR" altLang="en-US" dirty="0"/>
+          </a:p>
+        </p:txBody>
+      </p:sp>
+      <p:sp>
+        <p:nvSpPr>
+          <p:cNvPr id="4" name="슬라이드 번호 개체 틀 3"/>
+          <p:cNvSpPr>
+            <a:spLocks noGrp="1"/>
+          </p:cNvSpPr>
+          <p:nvPr>
+            <p:ph type="sldNum" sz="quarter" idx="10"/>
+          </p:nvPr>
+        </p:nvSpPr>
+        <p:spPr/>
+        <p:txBody>
+          <a:bodyPr/>
+          <a:lstStyle/>
+          <a:p>
+            <a:fld id="{ED1729DF-A41C-4268-AF91-3DE31C2FD5F2}" type="slidenum">
+              <a:rPr lang="ko-KR" altLang="en-US" smtClean="0"/>
+              <a:t>17</a:t>
+            </a:fld>
+            <a:endParaRPr lang="ko-KR" altLang="en-US"/>
+          </a:p>
+        </p:txBody>
+      </p:sp>
+    </p:spTree>
+    <p:extLst>
+      <p:ext uri="{BB962C8B-B14F-4D97-AF65-F5344CB8AC3E}">
+        <p14:creationId xmlns:p14="http://schemas.microsoft.com/office/powerpoint/2010/main" val="3688139169"/>
+      </p:ext>
+    </p:extLst>
+  </p:cSld>
+  <p:clrMapOvr>
+    <a:masterClrMapping/>
+  </p:clrMapOvr>
+</p:notes>
+</file>
+
+<file path=ppt/notesSlides/notesSlide18.xml><?xml version="1.0" encoding="utf-8"?>
+<p:notes xmlns:a="http://schemas.openxmlformats.org/drawingml/2006/main" xmlns:r="http://schemas.openxmlformats.org/officeDocument/2006/relationships" xmlns:p="http://schemas.openxmlformats.org/presentationml/2006/main">
+  <p:cSld>
+    <p:spTree>
+      <p:nvGrpSpPr>
+        <p:cNvPr id="1" name=""/>
+        <p:cNvGrpSpPr/>
+        <p:nvPr/>
+      </p:nvGrpSpPr>
+      <p:grpSpPr>
+        <a:xfrm>
+          <a:off x="0" y="0"/>
+          <a:ext cx="0" cy="0"/>
+          <a:chOff x="0" y="0"/>
+          <a:chExt cx="0" cy="0"/>
+        </a:xfrm>
+      </p:grpSpPr>
+      <p:sp>
+        <p:nvSpPr>
+          <p:cNvPr id="2" name="슬라이드 이미지 개체 틀 1"/>
+          <p:cNvSpPr>
+            <a:spLocks noGrp="1" noRot="1" noChangeAspect="1"/>
+          </p:cNvSpPr>
+          <p:nvPr>
+            <p:ph type="sldImg"/>
+          </p:nvPr>
+        </p:nvSpPr>
+        <p:spPr/>
+      </p:sp>
+      <p:sp>
+        <p:nvSpPr>
+          <p:cNvPr id="3" name="슬라이드 노트 개체 틀 2"/>
+          <p:cNvSpPr>
+            <a:spLocks noGrp="1"/>
+          </p:cNvSpPr>
+          <p:nvPr>
+            <p:ph type="body" idx="1"/>
+          </p:nvPr>
+        </p:nvSpPr>
+        <p:spPr/>
+        <p:txBody>
+          <a:bodyPr/>
+          <a:lstStyle/>
+          <a:p>
+            <a:endParaRPr lang="ko-KR" altLang="en-US" dirty="0"/>
+          </a:p>
+        </p:txBody>
+      </p:sp>
+      <p:sp>
+        <p:nvSpPr>
+          <p:cNvPr id="4" name="슬라이드 번호 개체 틀 3"/>
+          <p:cNvSpPr>
+            <a:spLocks noGrp="1"/>
+          </p:cNvSpPr>
+          <p:nvPr>
+            <p:ph type="sldNum" sz="quarter" idx="10"/>
+          </p:nvPr>
+        </p:nvSpPr>
+        <p:spPr/>
+        <p:txBody>
+          <a:bodyPr/>
+          <a:lstStyle/>
+          <a:p>
+            <a:fld id="{ED1729DF-A41C-4268-AF91-3DE31C2FD5F2}" type="slidenum">
+              <a:rPr lang="ko-KR" altLang="en-US" smtClean="0"/>
               <a:t>18</a:t>
             </a:fld>
             <a:endParaRPr lang="ko-KR" altLang="en-US"/>
@@ -1062,7 +1666,7 @@
 </p:notes>
 </file>
 
-<file path=ppt/notesSlides/notesSlide15.xml><?xml version="1.0" encoding="utf-8"?>
+<file path=ppt/notesSlides/notesSlide19.xml><?xml version="1.0" encoding="utf-8"?>
 <p:notes xmlns:a="http://schemas.openxmlformats.org/drawingml/2006/main" xmlns:r="http://schemas.openxmlformats.org/officeDocument/2006/relationships" xmlns:p="http://schemas.openxmlformats.org/presentationml/2006/main">
   <p:cSld>
     <p:spTree>
@@ -2579,7 +3183,7 @@
           <a:p>
             <a:fld id="{FB723FC9-7FB9-4C4F-8EDC-230AEC88725B}" type="datetimeFigureOut">
               <a:rPr kumimoji="1" lang="ko-KR" altLang="en-US" smtClean="0"/>
-              <a:t>2017-11-03</a:t>
+              <a:t>2017-11-08</a:t>
             </a:fld>
             <a:endParaRPr kumimoji="1" lang="ko-KR" altLang="en-US"/>
           </a:p>
@@ -2787,7 +3391,7 @@
           <a:p>
             <a:fld id="{FB723FC9-7FB9-4C4F-8EDC-230AEC88725B}" type="datetimeFigureOut">
               <a:rPr kumimoji="1" lang="ko-KR" altLang="en-US" smtClean="0"/>
-              <a:t>2017-11-03</a:t>
+              <a:t>2017-11-08</a:t>
             </a:fld>
             <a:endParaRPr kumimoji="1" lang="ko-KR" altLang="en-US"/>
           </a:p>
@@ -3043,7 +3647,7 @@
           <a:p>
             <a:fld id="{FB723FC9-7FB9-4C4F-8EDC-230AEC88725B}" type="datetimeFigureOut">
               <a:rPr kumimoji="1" lang="ko-KR" altLang="en-US" smtClean="0"/>
-              <a:t>2017-11-03</a:t>
+              <a:t>2017-11-08</a:t>
             </a:fld>
             <a:endParaRPr kumimoji="1" lang="ko-KR" altLang="en-US"/>
           </a:p>
@@ -3217,7 +3821,7 @@
           <a:p>
             <a:fld id="{FB723FC9-7FB9-4C4F-8EDC-230AEC88725B}" type="datetimeFigureOut">
               <a:rPr kumimoji="1" lang="ko-KR" altLang="en-US" smtClean="0"/>
-              <a:t>2017-11-03</a:t>
+              <a:t>2017-11-08</a:t>
             </a:fld>
             <a:endParaRPr kumimoji="1" lang="ko-KR" altLang="en-US"/>
           </a:p>
@@ -3560,7 +4164,7 @@
           <a:p>
             <a:fld id="{FB723FC9-7FB9-4C4F-8EDC-230AEC88725B}" type="datetimeFigureOut">
               <a:rPr kumimoji="1" lang="ko-KR" altLang="en-US" smtClean="0"/>
-              <a:t>2017-11-03</a:t>
+              <a:t>2017-11-08</a:t>
             </a:fld>
             <a:endParaRPr kumimoji="1" lang="ko-KR" altLang="en-US"/>
           </a:p>
@@ -3835,7 +4439,7 @@
           <a:p>
             <a:fld id="{FB723FC9-7FB9-4C4F-8EDC-230AEC88725B}" type="datetimeFigureOut">
               <a:rPr kumimoji="1" lang="ko-KR" altLang="en-US" smtClean="0"/>
-              <a:t>2017-11-03</a:t>
+              <a:t>2017-11-08</a:t>
             </a:fld>
             <a:endParaRPr kumimoji="1" lang="ko-KR" altLang="en-US"/>
           </a:p>
@@ -4214,7 +4818,7 @@
           <a:p>
             <a:fld id="{FB723FC9-7FB9-4C4F-8EDC-230AEC88725B}" type="datetimeFigureOut">
               <a:rPr kumimoji="1" lang="ko-KR" altLang="en-US" smtClean="0"/>
-              <a:t>2017-11-03</a:t>
+              <a:t>2017-11-08</a:t>
             </a:fld>
             <a:endParaRPr kumimoji="1" lang="ko-KR" altLang="en-US"/>
           </a:p>
@@ -4332,7 +4936,7 @@
           <a:p>
             <a:fld id="{FB723FC9-7FB9-4C4F-8EDC-230AEC88725B}" type="datetimeFigureOut">
               <a:rPr kumimoji="1" lang="ko-KR" altLang="en-US" smtClean="0"/>
-              <a:t>2017-11-03</a:t>
+              <a:t>2017-11-08</a:t>
             </a:fld>
             <a:endParaRPr kumimoji="1" lang="ko-KR" altLang="en-US"/>
           </a:p>
@@ -4503,7 +5107,7 @@
           <a:p>
             <a:fld id="{FB723FC9-7FB9-4C4F-8EDC-230AEC88725B}" type="datetimeFigureOut">
               <a:rPr kumimoji="1" lang="ko-KR" altLang="en-US" smtClean="0"/>
-              <a:t>2017-11-03</a:t>
+              <a:t>2017-11-08</a:t>
             </a:fld>
             <a:endParaRPr kumimoji="1" lang="ko-KR" altLang="en-US"/>
           </a:p>
@@ -4857,7 +5461,7 @@
           <a:p>
             <a:fld id="{FB723FC9-7FB9-4C4F-8EDC-230AEC88725B}" type="datetimeFigureOut">
               <a:rPr kumimoji="1" lang="ko-KR" altLang="en-US" smtClean="0"/>
-              <a:t>2017-11-03</a:t>
+              <a:t>2017-11-08</a:t>
             </a:fld>
             <a:endParaRPr kumimoji="1" lang="ko-KR" altLang="en-US"/>
           </a:p>
@@ -5239,7 +5843,7 @@
           <a:p>
             <a:fld id="{FB723FC9-7FB9-4C4F-8EDC-230AEC88725B}" type="datetimeFigureOut">
               <a:rPr kumimoji="1" lang="ko-KR" altLang="en-US" smtClean="0"/>
-              <a:t>2017-11-03</a:t>
+              <a:t>2017-11-08</a:t>
             </a:fld>
             <a:endParaRPr kumimoji="1" lang="ko-KR" altLang="en-US"/>
           </a:p>
@@ -5526,7 +6130,7 @@
           <a:p>
             <a:fld id="{FB723FC9-7FB9-4C4F-8EDC-230AEC88725B}" type="datetimeFigureOut">
               <a:rPr kumimoji="1" lang="ko-KR" altLang="en-US" smtClean="0"/>
-              <a:t>2017-11-03</a:t>
+              <a:t>2017-11-08</a:t>
             </a:fld>
             <a:endParaRPr kumimoji="1" lang="ko-KR" altLang="en-US"/>
           </a:p>
@@ -6605,7 +7209,7 @@
           <p:nvPr/>
         </p:nvPicPr>
         <p:blipFill>
-          <a:blip r:embed="rId2"/>
+          <a:blip r:embed="rId3"/>
           <a:stretch>
             <a:fillRect/>
           </a:stretch>
@@ -7408,8 +8012,8 @@
             </a:fontRef>
           </p:style>
         </p:cxnSp>
-        <mc:AlternateContent xmlns:mc="http://schemas.openxmlformats.org/markup-compatibility/2006">
-          <mc:Choice xmlns:a14="http://schemas.microsoft.com/office/drawing/2010/main" Requires="a14">
+        <mc:AlternateContent xmlns:mc="http://schemas.openxmlformats.org/markup-compatibility/2006" xmlns:a14="http://schemas.microsoft.com/office/drawing/2010/main">
+          <mc:Choice Requires="a14">
             <p:sp>
               <p:nvSpPr>
                 <p:cNvPr id="27" name="TextBox 26">
@@ -7438,6 +8042,7 @@
                 </a:bodyPr>
                 <a:lstStyle/>
                 <a:p>
+                  <a:pPr/>
                   <a14:m>
                     <m:oMathPara xmlns:m="http://schemas.openxmlformats.org/officeDocument/2006/math">
                       <m:oMathParaPr>
@@ -7490,7 +8095,7 @@
               </p:txBody>
             </p:sp>
           </mc:Choice>
-          <mc:Fallback>
+          <mc:Fallback xmlns="">
             <p:sp>
               <p:nvSpPr>
                 <p:cNvPr id="27" name="TextBox 26">
@@ -7514,7 +8119,7 @@
                   <a:avLst/>
                 </a:prstGeom>
                 <a:blipFill>
-                  <a:blip r:embed="rId2"/>
+                  <a:blip r:embed="rId3"/>
                   <a:stretch>
                     <a:fillRect b="-9859"/>
                   </a:stretch>
@@ -7581,8 +8186,8 @@
             </a:fontRef>
           </p:style>
         </p:cxnSp>
-        <mc:AlternateContent xmlns:mc="http://schemas.openxmlformats.org/markup-compatibility/2006">
-          <mc:Choice xmlns:a14="http://schemas.microsoft.com/office/drawing/2010/main" Requires="a14">
+        <mc:AlternateContent xmlns:mc="http://schemas.openxmlformats.org/markup-compatibility/2006" xmlns:a14="http://schemas.microsoft.com/office/drawing/2010/main">
+          <mc:Choice Requires="a14">
             <p:sp>
               <p:nvSpPr>
                 <p:cNvPr id="29" name="TextBox 28">
@@ -7611,6 +8216,7 @@
                 </a:bodyPr>
                 <a:lstStyle/>
                 <a:p>
+                  <a:pPr/>
                   <a14:m>
                     <m:oMathPara xmlns:m="http://schemas.openxmlformats.org/officeDocument/2006/math">
                       <m:oMathParaPr>
@@ -7650,7 +8256,7 @@
               </p:txBody>
             </p:sp>
           </mc:Choice>
-          <mc:Fallback>
+          <mc:Fallback xmlns="">
             <p:sp>
               <p:nvSpPr>
                 <p:cNvPr id="29" name="TextBox 28">
@@ -7674,7 +8280,7 @@
                   <a:avLst/>
                 </a:prstGeom>
                 <a:blipFill>
-                  <a:blip r:embed="rId3"/>
+                  <a:blip r:embed="rId4"/>
                   <a:stretch>
                     <a:fillRect b="-12857"/>
                   </a:stretch>
@@ -8770,8 +9376,8 @@
             </a:fontRef>
           </p:style>
         </p:cxnSp>
-        <mc:AlternateContent xmlns:mc="http://schemas.openxmlformats.org/markup-compatibility/2006">
-          <mc:Choice xmlns:a14="http://schemas.microsoft.com/office/drawing/2010/main" Requires="a14">
+        <mc:AlternateContent xmlns:mc="http://schemas.openxmlformats.org/markup-compatibility/2006" xmlns:a14="http://schemas.microsoft.com/office/drawing/2010/main">
+          <mc:Choice Requires="a14">
             <p:sp>
               <p:nvSpPr>
                 <p:cNvPr id="30" name="TextBox 29">
@@ -8800,6 +9406,7 @@
                 </a:bodyPr>
                 <a:lstStyle/>
                 <a:p>
+                  <a:pPr/>
                   <a14:m>
                     <m:oMathPara xmlns:m="http://schemas.openxmlformats.org/officeDocument/2006/math">
                       <m:oMathParaPr>
@@ -8852,7 +9459,7 @@
               </p:txBody>
             </p:sp>
           </mc:Choice>
-          <mc:Fallback>
+          <mc:Fallback xmlns="">
             <p:sp>
               <p:nvSpPr>
                 <p:cNvPr id="30" name="TextBox 29">
@@ -8876,7 +9483,7 @@
                   <a:avLst/>
                 </a:prstGeom>
                 <a:blipFill>
-                  <a:blip r:embed="rId2"/>
+                  <a:blip r:embed="rId3"/>
                   <a:stretch>
                     <a:fillRect b="-9859"/>
                   </a:stretch>
@@ -8943,8 +9550,8 @@
             </a:fontRef>
           </p:style>
         </p:cxnSp>
-        <mc:AlternateContent xmlns:mc="http://schemas.openxmlformats.org/markup-compatibility/2006">
-          <mc:Choice xmlns:a14="http://schemas.microsoft.com/office/drawing/2010/main" Requires="a14">
+        <mc:AlternateContent xmlns:mc="http://schemas.openxmlformats.org/markup-compatibility/2006" xmlns:a14="http://schemas.microsoft.com/office/drawing/2010/main">
+          <mc:Choice Requires="a14">
             <p:sp>
               <p:nvSpPr>
                 <p:cNvPr id="32" name="TextBox 31">
@@ -8973,6 +9580,7 @@
                 </a:bodyPr>
                 <a:lstStyle/>
                 <a:p>
+                  <a:pPr/>
                   <a14:m>
                     <m:oMathPara xmlns:m="http://schemas.openxmlformats.org/officeDocument/2006/math">
                       <m:oMathParaPr>
@@ -9025,7 +9633,7 @@
               </p:txBody>
             </p:sp>
           </mc:Choice>
-          <mc:Fallback>
+          <mc:Fallback xmlns="">
             <p:sp>
               <p:nvSpPr>
                 <p:cNvPr id="32" name="TextBox 31">
@@ -9049,7 +9657,7 @@
                   <a:avLst/>
                 </a:prstGeom>
                 <a:blipFill>
-                  <a:blip r:embed="rId3"/>
+                  <a:blip r:embed="rId4"/>
                   <a:stretch>
                     <a:fillRect b="-12857"/>
                   </a:stretch>
@@ -9206,8 +9814,8 @@
           </a:p>
         </p:txBody>
       </p:sp>
-      <mc:AlternateContent xmlns:mc="http://schemas.openxmlformats.org/markup-compatibility/2006">
-        <mc:Choice xmlns:a14="http://schemas.microsoft.com/office/drawing/2010/main" Requires="a14">
+      <mc:AlternateContent xmlns:mc="http://schemas.openxmlformats.org/markup-compatibility/2006" xmlns:a14="http://schemas.microsoft.com/office/drawing/2010/main">
+        <mc:Choice Requires="a14">
           <p:sp>
             <p:nvSpPr>
               <p:cNvPr id="3" name="내용 개체 틀 2">
@@ -9581,7 +10189,7 @@
             </p:txBody>
           </p:sp>
         </mc:Choice>
-        <mc:Fallback>
+        <mc:Fallback xmlns="">
           <p:sp>
             <p:nvSpPr>
               <p:cNvPr id="3" name="내용 개체 틀 2">
@@ -10173,8 +10781,8 @@
             </a:fontRef>
           </p:style>
         </p:cxnSp>
-        <mc:AlternateContent xmlns:mc="http://schemas.openxmlformats.org/markup-compatibility/2006">
-          <mc:Choice xmlns:a14="http://schemas.microsoft.com/office/drawing/2010/main" Requires="a14">
+        <mc:AlternateContent xmlns:mc="http://schemas.openxmlformats.org/markup-compatibility/2006" xmlns:a14="http://schemas.microsoft.com/office/drawing/2010/main">
+          <mc:Choice Requires="a14">
             <p:sp>
               <p:nvSpPr>
                 <p:cNvPr id="31" name="TextBox 30">
@@ -10203,6 +10811,7 @@
                 </a:bodyPr>
                 <a:lstStyle/>
                 <a:p>
+                  <a:pPr/>
                   <a14:m>
                     <m:oMathPara xmlns:m="http://schemas.openxmlformats.org/officeDocument/2006/math">
                       <m:oMathParaPr>
@@ -10255,7 +10864,7 @@
               </p:txBody>
             </p:sp>
           </mc:Choice>
-          <mc:Fallback>
+          <mc:Fallback xmlns="">
             <p:sp>
               <p:nvSpPr>
                 <p:cNvPr id="31" name="TextBox 30">
@@ -10346,8 +10955,8 @@
             </a:fontRef>
           </p:style>
         </p:cxnSp>
-        <mc:AlternateContent xmlns:mc="http://schemas.openxmlformats.org/markup-compatibility/2006">
-          <mc:Choice xmlns:a14="http://schemas.microsoft.com/office/drawing/2010/main" Requires="a14">
+        <mc:AlternateContent xmlns:mc="http://schemas.openxmlformats.org/markup-compatibility/2006" xmlns:a14="http://schemas.microsoft.com/office/drawing/2010/main">
+          <mc:Choice Requires="a14">
             <p:sp>
               <p:nvSpPr>
                 <p:cNvPr id="33" name="TextBox 32">
@@ -10376,6 +10985,7 @@
                 </a:bodyPr>
                 <a:lstStyle/>
                 <a:p>
+                  <a:pPr/>
                   <a14:m>
                     <m:oMathPara xmlns:m="http://schemas.openxmlformats.org/officeDocument/2006/math">
                       <m:oMathParaPr>
@@ -10415,7 +11025,7 @@
               </p:txBody>
             </p:sp>
           </mc:Choice>
-          <mc:Fallback>
+          <mc:Fallback xmlns="">
             <p:sp>
               <p:nvSpPr>
                 <p:cNvPr id="33" name="TextBox 32">
@@ -10460,8 +11070,8 @@
             </p:sp>
           </mc:Fallback>
         </mc:AlternateContent>
-        <mc:AlternateContent xmlns:mc="http://schemas.openxmlformats.org/markup-compatibility/2006">
-          <mc:Choice xmlns:a14="http://schemas.microsoft.com/office/drawing/2010/main" Requires="a14">
+        <mc:AlternateContent xmlns:mc="http://schemas.openxmlformats.org/markup-compatibility/2006" xmlns:a14="http://schemas.microsoft.com/office/drawing/2010/main">
+          <mc:Choice Requires="a14">
             <p:sp>
               <p:nvSpPr>
                 <p:cNvPr id="34" name="TextBox 33">
@@ -10557,7 +11167,7 @@
               </p:txBody>
             </p:sp>
           </mc:Choice>
-          <mc:Fallback>
+          <mc:Fallback xmlns="">
             <p:sp>
               <p:nvSpPr>
                 <p:cNvPr id="34" name="TextBox 33">
@@ -10602,8 +11212,8 @@
             </p:sp>
           </mc:Fallback>
         </mc:AlternateContent>
-        <mc:AlternateContent xmlns:mc="http://schemas.openxmlformats.org/markup-compatibility/2006">
-          <mc:Choice xmlns:a14="http://schemas.microsoft.com/office/drawing/2010/main" Requires="a14">
+        <mc:AlternateContent xmlns:mc="http://schemas.openxmlformats.org/markup-compatibility/2006" xmlns:a14="http://schemas.microsoft.com/office/drawing/2010/main">
+          <mc:Choice Requires="a14">
             <p:sp>
               <p:nvSpPr>
                 <p:cNvPr id="35" name="TextBox 34">
@@ -10728,7 +11338,7 @@
               </p:txBody>
             </p:sp>
           </mc:Choice>
-          <mc:Fallback>
+          <mc:Fallback xmlns="">
             <p:sp>
               <p:nvSpPr>
                 <p:cNvPr id="35" name="TextBox 34">
@@ -10848,8 +11458,8 @@
             </a:p>
           </p:txBody>
         </p:sp>
-        <mc:AlternateContent xmlns:mc="http://schemas.openxmlformats.org/markup-compatibility/2006">
-          <mc:Choice xmlns:a14="http://schemas.microsoft.com/office/drawing/2010/main" Requires="a14">
+        <mc:AlternateContent xmlns:mc="http://schemas.openxmlformats.org/markup-compatibility/2006" xmlns:a14="http://schemas.microsoft.com/office/drawing/2010/main">
+          <mc:Choice Requires="a14">
             <p:sp>
               <p:nvSpPr>
                 <p:cNvPr id="38" name="TextBox 37">
@@ -10971,7 +11581,7 @@
               </p:txBody>
             </p:sp>
           </mc:Choice>
-          <mc:Fallback>
+          <mc:Fallback xmlns="">
             <p:sp>
               <p:nvSpPr>
                 <p:cNvPr id="38" name="TextBox 37">
@@ -11220,8 +11830,8 @@
           </a:p>
         </p:txBody>
       </p:sp>
-      <mc:AlternateContent xmlns:mc="http://schemas.openxmlformats.org/markup-compatibility/2006">
-        <mc:Choice xmlns:a14="http://schemas.microsoft.com/office/drawing/2010/main" Requires="a14">
+      <mc:AlternateContent xmlns:mc="http://schemas.openxmlformats.org/markup-compatibility/2006" xmlns:a14="http://schemas.microsoft.com/office/drawing/2010/main">
+        <mc:Choice Requires="a14">
           <p:sp>
             <p:nvSpPr>
               <p:cNvPr id="3" name="내용 개체 틀 2">
@@ -11485,7 +12095,7 @@
             </p:txBody>
           </p:sp>
         </mc:Choice>
-        <mc:Fallback>
+        <mc:Fallback xmlns="">
           <p:sp>
             <p:nvSpPr>
               <p:cNvPr id="3" name="내용 개체 틀 2">
@@ -11508,7 +12118,7 @@
                 <a:ext cx="4631397" cy="4023360"/>
               </a:xfrm>
               <a:blipFill>
-                <a:blip r:embed="rId2"/>
+                <a:blip r:embed="rId3"/>
                 <a:stretch>
                   <a:fillRect l="-3289" t="-1970" r="-3158"/>
                 </a:stretch>
@@ -12077,8 +12687,8 @@
             </a:fontRef>
           </p:style>
         </p:cxnSp>
-        <mc:AlternateContent xmlns:mc="http://schemas.openxmlformats.org/markup-compatibility/2006">
-          <mc:Choice xmlns:a14="http://schemas.microsoft.com/office/drawing/2010/main" Requires="a14">
+        <mc:AlternateContent xmlns:mc="http://schemas.openxmlformats.org/markup-compatibility/2006" xmlns:a14="http://schemas.microsoft.com/office/drawing/2010/main">
+          <mc:Choice Requires="a14">
             <p:sp>
               <p:nvSpPr>
                 <p:cNvPr id="38" name="TextBox 37">
@@ -12107,6 +12717,7 @@
                 </a:bodyPr>
                 <a:lstStyle/>
                 <a:p>
+                  <a:pPr/>
                   <a14:m>
                     <m:oMathPara xmlns:m="http://schemas.openxmlformats.org/officeDocument/2006/math">
                       <m:oMathParaPr>
@@ -12159,7 +12770,7 @@
               </p:txBody>
             </p:sp>
           </mc:Choice>
-          <mc:Fallback>
+          <mc:Fallback xmlns="">
             <p:sp>
               <p:nvSpPr>
                 <p:cNvPr id="38" name="TextBox 37">
@@ -12183,7 +12794,7 @@
                   <a:avLst/>
                 </a:prstGeom>
                 <a:blipFill>
-                  <a:blip r:embed="rId3"/>
+                  <a:blip r:embed="rId4"/>
                   <a:stretch>
                     <a:fillRect b="-9859"/>
                   </a:stretch>
@@ -12250,8 +12861,8 @@
             </a:fontRef>
           </p:style>
         </p:cxnSp>
-        <mc:AlternateContent xmlns:mc="http://schemas.openxmlformats.org/markup-compatibility/2006">
-          <mc:Choice xmlns:a14="http://schemas.microsoft.com/office/drawing/2010/main" Requires="a14">
+        <mc:AlternateContent xmlns:mc="http://schemas.openxmlformats.org/markup-compatibility/2006" xmlns:a14="http://schemas.microsoft.com/office/drawing/2010/main">
+          <mc:Choice Requires="a14">
             <p:sp>
               <p:nvSpPr>
                 <p:cNvPr id="40" name="TextBox 39">
@@ -12280,6 +12891,7 @@
                 </a:bodyPr>
                 <a:lstStyle/>
                 <a:p>
+                  <a:pPr/>
                   <a14:m>
                     <m:oMathPara xmlns:m="http://schemas.openxmlformats.org/officeDocument/2006/math">
                       <m:oMathParaPr>
@@ -12332,7 +12944,7 @@
               </p:txBody>
             </p:sp>
           </mc:Choice>
-          <mc:Fallback>
+          <mc:Fallback xmlns="">
             <p:sp>
               <p:nvSpPr>
                 <p:cNvPr id="40" name="TextBox 39">
@@ -12356,7 +12968,7 @@
                   <a:avLst/>
                 </a:prstGeom>
                 <a:blipFill>
-                  <a:blip r:embed="rId4"/>
+                  <a:blip r:embed="rId5"/>
                   <a:stretch>
                     <a:fillRect b="-12857"/>
                   </a:stretch>
@@ -12377,8 +12989,8 @@
             </p:sp>
           </mc:Fallback>
         </mc:AlternateContent>
-        <mc:AlternateContent xmlns:mc="http://schemas.openxmlformats.org/markup-compatibility/2006">
-          <mc:Choice xmlns:a14="http://schemas.microsoft.com/office/drawing/2010/main" Requires="a14">
+        <mc:AlternateContent xmlns:mc="http://schemas.openxmlformats.org/markup-compatibility/2006" xmlns:a14="http://schemas.microsoft.com/office/drawing/2010/main">
+          <mc:Choice Requires="a14">
             <p:sp>
               <p:nvSpPr>
                 <p:cNvPr id="41" name="TextBox 40">
@@ -12474,7 +13086,7 @@
               </p:txBody>
             </p:sp>
           </mc:Choice>
-          <mc:Fallback>
+          <mc:Fallback xmlns="">
             <p:sp>
               <p:nvSpPr>
                 <p:cNvPr id="41" name="TextBox 40">
@@ -12498,7 +13110,7 @@
                   <a:avLst/>
                 </a:prstGeom>
                 <a:blipFill>
-                  <a:blip r:embed="rId5"/>
+                  <a:blip r:embed="rId6"/>
                   <a:stretch>
                     <a:fillRect t="-8197" b="-24590"/>
                   </a:stretch>
@@ -12519,8 +13131,8 @@
             </p:sp>
           </mc:Fallback>
         </mc:AlternateContent>
-        <mc:AlternateContent xmlns:mc="http://schemas.openxmlformats.org/markup-compatibility/2006">
-          <mc:Choice xmlns:a14="http://schemas.microsoft.com/office/drawing/2010/main" Requires="a14">
+        <mc:AlternateContent xmlns:mc="http://schemas.openxmlformats.org/markup-compatibility/2006" xmlns:a14="http://schemas.microsoft.com/office/drawing/2010/main">
+          <mc:Choice Requires="a14">
             <p:sp>
               <p:nvSpPr>
                 <p:cNvPr id="42" name="TextBox 41">
@@ -12642,7 +13254,7 @@
               </p:txBody>
             </p:sp>
           </mc:Choice>
-          <mc:Fallback>
+          <mc:Fallback xmlns="">
             <p:sp>
               <p:nvSpPr>
                 <p:cNvPr id="42" name="TextBox 41">
@@ -12666,7 +13278,7 @@
                   <a:avLst/>
                 </a:prstGeom>
                 <a:blipFill>
-                  <a:blip r:embed="rId6"/>
+                  <a:blip r:embed="rId7"/>
                   <a:stretch>
                     <a:fillRect t="-6154" b="-18462"/>
                   </a:stretch>
@@ -12759,8 +13371,8 @@
             </a:p>
           </p:txBody>
         </p:sp>
-        <mc:AlternateContent xmlns:mc="http://schemas.openxmlformats.org/markup-compatibility/2006">
-          <mc:Choice xmlns:a14="http://schemas.microsoft.com/office/drawing/2010/main" Requires="a14">
+        <mc:AlternateContent xmlns:mc="http://schemas.openxmlformats.org/markup-compatibility/2006" xmlns:a14="http://schemas.microsoft.com/office/drawing/2010/main">
+          <mc:Choice Requires="a14">
             <p:sp>
               <p:nvSpPr>
                 <p:cNvPr id="45" name="TextBox 44">
@@ -12882,7 +13494,7 @@
               </p:txBody>
             </p:sp>
           </mc:Choice>
-          <mc:Fallback>
+          <mc:Fallback xmlns="">
             <p:sp>
               <p:nvSpPr>
                 <p:cNvPr id="45" name="TextBox 44">
@@ -12906,7 +13518,7 @@
                   <a:avLst/>
                 </a:prstGeom>
                 <a:blipFill>
-                  <a:blip r:embed="rId7"/>
+                  <a:blip r:embed="rId8"/>
                   <a:stretch>
                     <a:fillRect t="-8197" b="-24590"/>
                   </a:stretch>
@@ -13131,8 +13743,8 @@
           </a:p>
         </p:txBody>
       </p:sp>
-      <mc:AlternateContent xmlns:mc="http://schemas.openxmlformats.org/markup-compatibility/2006">
-        <mc:Choice xmlns:a14="http://schemas.microsoft.com/office/drawing/2010/main" Requires="a14">
+      <mc:AlternateContent xmlns:mc="http://schemas.openxmlformats.org/markup-compatibility/2006" xmlns:a14="http://schemas.microsoft.com/office/drawing/2010/main">
+        <mc:Choice Requires="a14">
           <p:sp>
             <p:nvSpPr>
               <p:cNvPr id="3" name="내용 개체 틀 2">
@@ -14085,7 +14697,7 @@
             </p:txBody>
           </p:sp>
         </mc:Choice>
-        <mc:Fallback>
+        <mc:Fallback xmlns="">
           <p:sp>
             <p:nvSpPr>
               <p:cNvPr id="3" name="내용 개체 틀 2">
@@ -14674,8 +15286,8 @@
             </a:fontRef>
           </p:style>
         </p:cxnSp>
-        <mc:AlternateContent xmlns:mc="http://schemas.openxmlformats.org/markup-compatibility/2006">
-          <mc:Choice xmlns:a14="http://schemas.microsoft.com/office/drawing/2010/main" Requires="a14">
+        <mc:AlternateContent xmlns:mc="http://schemas.openxmlformats.org/markup-compatibility/2006" xmlns:a14="http://schemas.microsoft.com/office/drawing/2010/main">
+          <mc:Choice Requires="a14">
             <p:sp>
               <p:nvSpPr>
                 <p:cNvPr id="50" name="TextBox 49">
@@ -14704,6 +15316,7 @@
                 </a:bodyPr>
                 <a:lstStyle/>
                 <a:p>
+                  <a:pPr/>
                   <a14:m>
                     <m:oMathPara xmlns:m="http://schemas.openxmlformats.org/officeDocument/2006/math">
                       <m:oMathParaPr>
@@ -14743,7 +15356,7 @@
               </p:txBody>
             </p:sp>
           </mc:Choice>
-          <mc:Fallback>
+          <mc:Fallback xmlns="">
             <p:sp>
               <p:nvSpPr>
                 <p:cNvPr id="50" name="TextBox 49">
@@ -14834,8 +15447,8 @@
             </a:fontRef>
           </p:style>
         </p:cxnSp>
-        <mc:AlternateContent xmlns:mc="http://schemas.openxmlformats.org/markup-compatibility/2006">
-          <mc:Choice xmlns:a14="http://schemas.microsoft.com/office/drawing/2010/main" Requires="a14">
+        <mc:AlternateContent xmlns:mc="http://schemas.openxmlformats.org/markup-compatibility/2006" xmlns:a14="http://schemas.microsoft.com/office/drawing/2010/main">
+          <mc:Choice Requires="a14">
             <p:sp>
               <p:nvSpPr>
                 <p:cNvPr id="22" name="TextBox 21">
@@ -14864,6 +15477,7 @@
                 </a:bodyPr>
                 <a:lstStyle/>
                 <a:p>
+                  <a:pPr/>
                   <a14:m>
                     <m:oMathPara xmlns:m="http://schemas.openxmlformats.org/officeDocument/2006/math">
                       <m:oMathParaPr>
@@ -14916,7 +15530,7 @@
               </p:txBody>
             </p:sp>
           </mc:Choice>
-          <mc:Fallback>
+          <mc:Fallback xmlns="">
             <p:sp>
               <p:nvSpPr>
                 <p:cNvPr id="22" name="TextBox 21">
@@ -14961,8 +15575,8 @@
             </p:sp>
           </mc:Fallback>
         </mc:AlternateContent>
-        <mc:AlternateContent xmlns:mc="http://schemas.openxmlformats.org/markup-compatibility/2006">
-          <mc:Choice xmlns:a14="http://schemas.microsoft.com/office/drawing/2010/main" Requires="a14">
+        <mc:AlternateContent xmlns:mc="http://schemas.openxmlformats.org/markup-compatibility/2006" xmlns:a14="http://schemas.microsoft.com/office/drawing/2010/main">
+          <mc:Choice Requires="a14">
             <p:sp>
               <p:nvSpPr>
                 <p:cNvPr id="4" name="TextBox 3">
@@ -15076,7 +15690,7 @@
               </p:txBody>
             </p:sp>
           </mc:Choice>
-          <mc:Fallback>
+          <mc:Fallback xmlns="">
             <p:sp>
               <p:nvSpPr>
                 <p:cNvPr id="4" name="TextBox 3">
@@ -15121,8 +15735,8 @@
             </p:sp>
           </mc:Fallback>
         </mc:AlternateContent>
-        <mc:AlternateContent xmlns:mc="http://schemas.openxmlformats.org/markup-compatibility/2006">
-          <mc:Choice xmlns:a14="http://schemas.microsoft.com/office/drawing/2010/main" Requires="a14">
+        <mc:AlternateContent xmlns:mc="http://schemas.openxmlformats.org/markup-compatibility/2006" xmlns:a14="http://schemas.microsoft.com/office/drawing/2010/main">
+          <mc:Choice Requires="a14">
             <p:sp>
               <p:nvSpPr>
                 <p:cNvPr id="24" name="TextBox 23">
@@ -15227,7 +15841,7 @@
               </p:txBody>
             </p:sp>
           </mc:Choice>
-          <mc:Fallback>
+          <mc:Fallback xmlns="">
             <p:sp>
               <p:nvSpPr>
                 <p:cNvPr id="24" name="TextBox 23">
@@ -15344,8 +15958,8 @@
             </a:p>
           </p:txBody>
         </p:sp>
-        <mc:AlternateContent xmlns:mc="http://schemas.openxmlformats.org/markup-compatibility/2006">
-          <mc:Choice xmlns:a14="http://schemas.microsoft.com/office/drawing/2010/main" Requires="a14">
+        <mc:AlternateContent xmlns:mc="http://schemas.openxmlformats.org/markup-compatibility/2006" xmlns:a14="http://schemas.microsoft.com/office/drawing/2010/main">
+          <mc:Choice Requires="a14">
             <p:sp>
               <p:nvSpPr>
                 <p:cNvPr id="36" name="TextBox 35">
@@ -15441,7 +16055,7 @@
               </p:txBody>
             </p:sp>
           </mc:Choice>
-          <mc:Fallback>
+          <mc:Fallback xmlns="">
             <p:sp>
               <p:nvSpPr>
                 <p:cNvPr id="36" name="TextBox 35">
@@ -15612,8 +16226,8 @@
           </a:p>
         </p:txBody>
       </p:sp>
-      <mc:AlternateContent xmlns:mc="http://schemas.openxmlformats.org/markup-compatibility/2006">
-        <mc:Choice xmlns:a14="http://schemas.microsoft.com/office/drawing/2010/main" Requires="a14">
+      <mc:AlternateContent xmlns:mc="http://schemas.openxmlformats.org/markup-compatibility/2006" xmlns:a14="http://schemas.microsoft.com/office/drawing/2010/main">
+        <mc:Choice Requires="a14">
           <p:sp>
             <p:nvSpPr>
               <p:cNvPr id="3" name="내용 개체 틀 2">
@@ -16548,7 +17162,7 @@
             </p:txBody>
           </p:sp>
         </mc:Choice>
-        <mc:Fallback>
+        <mc:Fallback xmlns="">
           <p:sp>
             <p:nvSpPr>
               <p:cNvPr id="3" name="내용 개체 틀 2">
@@ -17155,8 +17769,8 @@
             </a:fontRef>
           </p:style>
         </p:cxnSp>
-        <mc:AlternateContent xmlns:mc="http://schemas.openxmlformats.org/markup-compatibility/2006">
-          <mc:Choice xmlns:a14="http://schemas.microsoft.com/office/drawing/2010/main" Requires="a14">
+        <mc:AlternateContent xmlns:mc="http://schemas.openxmlformats.org/markup-compatibility/2006" xmlns:a14="http://schemas.microsoft.com/office/drawing/2010/main">
+          <mc:Choice Requires="a14">
             <p:sp>
               <p:nvSpPr>
                 <p:cNvPr id="41" name="TextBox 40">
@@ -17185,6 +17799,7 @@
                 </a:bodyPr>
                 <a:lstStyle/>
                 <a:p>
+                  <a:pPr/>
                   <a14:m>
                     <m:oMathPara xmlns:m="http://schemas.openxmlformats.org/officeDocument/2006/math">
                       <m:oMathParaPr>
@@ -17237,7 +17852,7 @@
               </p:txBody>
             </p:sp>
           </mc:Choice>
-          <mc:Fallback>
+          <mc:Fallback xmlns="">
             <p:sp>
               <p:nvSpPr>
                 <p:cNvPr id="41" name="TextBox 40">
@@ -17328,8 +17943,8 @@
             </a:fontRef>
           </p:style>
         </p:cxnSp>
-        <mc:AlternateContent xmlns:mc="http://schemas.openxmlformats.org/markup-compatibility/2006">
-          <mc:Choice xmlns:a14="http://schemas.microsoft.com/office/drawing/2010/main" Requires="a14">
+        <mc:AlternateContent xmlns:mc="http://schemas.openxmlformats.org/markup-compatibility/2006" xmlns:a14="http://schemas.microsoft.com/office/drawing/2010/main">
+          <mc:Choice Requires="a14">
             <p:sp>
               <p:nvSpPr>
                 <p:cNvPr id="43" name="TextBox 42">
@@ -17358,6 +17973,7 @@
                 </a:bodyPr>
                 <a:lstStyle/>
                 <a:p>
+                  <a:pPr/>
                   <a14:m>
                     <m:oMathPara xmlns:m="http://schemas.openxmlformats.org/officeDocument/2006/math">
                       <m:oMathParaPr>
@@ -17397,7 +18013,7 @@
               </p:txBody>
             </p:sp>
           </mc:Choice>
-          <mc:Fallback>
+          <mc:Fallback xmlns="">
             <p:sp>
               <p:nvSpPr>
                 <p:cNvPr id="43" name="TextBox 42">
@@ -17442,8 +18058,8 @@
             </p:sp>
           </mc:Fallback>
         </mc:AlternateContent>
-        <mc:AlternateContent xmlns:mc="http://schemas.openxmlformats.org/markup-compatibility/2006">
-          <mc:Choice xmlns:a14="http://schemas.microsoft.com/office/drawing/2010/main" Requires="a14">
+        <mc:AlternateContent xmlns:mc="http://schemas.openxmlformats.org/markup-compatibility/2006" xmlns:a14="http://schemas.microsoft.com/office/drawing/2010/main">
+          <mc:Choice Requires="a14">
             <p:sp>
               <p:nvSpPr>
                 <p:cNvPr id="45" name="TextBox 44">
@@ -17539,7 +18155,7 @@
               </p:txBody>
             </p:sp>
           </mc:Choice>
-          <mc:Fallback>
+          <mc:Fallback xmlns="">
             <p:sp>
               <p:nvSpPr>
                 <p:cNvPr id="45" name="TextBox 44">
@@ -17584,8 +18200,8 @@
             </p:sp>
           </mc:Fallback>
         </mc:AlternateContent>
-        <mc:AlternateContent xmlns:mc="http://schemas.openxmlformats.org/markup-compatibility/2006">
-          <mc:Choice xmlns:a14="http://schemas.microsoft.com/office/drawing/2010/main" Requires="a14">
+        <mc:AlternateContent xmlns:mc="http://schemas.openxmlformats.org/markup-compatibility/2006" xmlns:a14="http://schemas.microsoft.com/office/drawing/2010/main">
+          <mc:Choice Requires="a14">
             <p:sp>
               <p:nvSpPr>
                 <p:cNvPr id="46" name="TextBox 45">
@@ -17703,7 +18319,7 @@
               </p:txBody>
             </p:sp>
           </mc:Choice>
-          <mc:Fallback>
+          <mc:Fallback xmlns="">
             <p:sp>
               <p:nvSpPr>
                 <p:cNvPr id="46" name="TextBox 45">
@@ -17820,8 +18436,8 @@
             </a:p>
           </p:txBody>
         </p:sp>
-        <mc:AlternateContent xmlns:mc="http://schemas.openxmlformats.org/markup-compatibility/2006">
-          <mc:Choice xmlns:a14="http://schemas.microsoft.com/office/drawing/2010/main" Requires="a14">
+        <mc:AlternateContent xmlns:mc="http://schemas.openxmlformats.org/markup-compatibility/2006" xmlns:a14="http://schemas.microsoft.com/office/drawing/2010/main">
+          <mc:Choice Requires="a14">
             <p:sp>
               <p:nvSpPr>
                 <p:cNvPr id="49" name="TextBox 48">
@@ -17926,7 +18542,7 @@
               </p:txBody>
             </p:sp>
           </mc:Choice>
-          <mc:Fallback>
+          <mc:Fallback xmlns="">
             <p:sp>
               <p:nvSpPr>
                 <p:cNvPr id="49" name="TextBox 48">
@@ -18097,8 +18713,8 @@
           </a:p>
         </p:txBody>
       </p:sp>
-      <mc:AlternateContent xmlns:mc="http://schemas.openxmlformats.org/markup-compatibility/2006">
-        <mc:Choice xmlns:a14="http://schemas.microsoft.com/office/drawing/2010/main" Requires="a14">
+      <mc:AlternateContent xmlns:mc="http://schemas.openxmlformats.org/markup-compatibility/2006" xmlns:a14="http://schemas.microsoft.com/office/drawing/2010/main">
+        <mc:Choice Requires="a14">
           <p:sp>
             <p:nvSpPr>
               <p:cNvPr id="3" name="내용 개체 틀 2">
@@ -19017,7 +19633,7 @@
             </p:txBody>
           </p:sp>
         </mc:Choice>
-        <mc:Fallback>
+        <mc:Fallback xmlns="">
           <p:sp>
             <p:nvSpPr>
               <p:cNvPr id="3" name="내용 개체 틀 2">
@@ -19606,8 +20222,8 @@
             </a:fontRef>
           </p:style>
         </p:cxnSp>
-        <mc:AlternateContent xmlns:mc="http://schemas.openxmlformats.org/markup-compatibility/2006">
-          <mc:Choice xmlns:a14="http://schemas.microsoft.com/office/drawing/2010/main" Requires="a14">
+        <mc:AlternateContent xmlns:mc="http://schemas.openxmlformats.org/markup-compatibility/2006" xmlns:a14="http://schemas.microsoft.com/office/drawing/2010/main">
+          <mc:Choice Requires="a14">
             <p:sp>
               <p:nvSpPr>
                 <p:cNvPr id="41" name="TextBox 40">
@@ -19636,6 +20252,7 @@
                 </a:bodyPr>
                 <a:lstStyle/>
                 <a:p>
+                  <a:pPr/>
                   <a14:m>
                     <m:oMathPara xmlns:m="http://schemas.openxmlformats.org/officeDocument/2006/math">
                       <m:oMathParaPr>
@@ -19688,7 +20305,7 @@
               </p:txBody>
             </p:sp>
           </mc:Choice>
-          <mc:Fallback>
+          <mc:Fallback xmlns="">
             <p:sp>
               <p:nvSpPr>
                 <p:cNvPr id="41" name="TextBox 40">
@@ -19779,8 +20396,8 @@
             </a:fontRef>
           </p:style>
         </p:cxnSp>
-        <mc:AlternateContent xmlns:mc="http://schemas.openxmlformats.org/markup-compatibility/2006">
-          <mc:Choice xmlns:a14="http://schemas.microsoft.com/office/drawing/2010/main" Requires="a14">
+        <mc:AlternateContent xmlns:mc="http://schemas.openxmlformats.org/markup-compatibility/2006" xmlns:a14="http://schemas.microsoft.com/office/drawing/2010/main">
+          <mc:Choice Requires="a14">
             <p:sp>
               <p:nvSpPr>
                 <p:cNvPr id="43" name="TextBox 42">
@@ -19809,6 +20426,7 @@
                 </a:bodyPr>
                 <a:lstStyle/>
                 <a:p>
+                  <a:pPr/>
                   <a14:m>
                     <m:oMathPara xmlns:m="http://schemas.openxmlformats.org/officeDocument/2006/math">
                       <m:oMathParaPr>
@@ -19848,7 +20466,7 @@
               </p:txBody>
             </p:sp>
           </mc:Choice>
-          <mc:Fallback>
+          <mc:Fallback xmlns="">
             <p:sp>
               <p:nvSpPr>
                 <p:cNvPr id="43" name="TextBox 42">
@@ -19893,8 +20511,8 @@
             </p:sp>
           </mc:Fallback>
         </mc:AlternateContent>
-        <mc:AlternateContent xmlns:mc="http://schemas.openxmlformats.org/markup-compatibility/2006">
-          <mc:Choice xmlns:a14="http://schemas.microsoft.com/office/drawing/2010/main" Requires="a14">
+        <mc:AlternateContent xmlns:mc="http://schemas.openxmlformats.org/markup-compatibility/2006" xmlns:a14="http://schemas.microsoft.com/office/drawing/2010/main">
+          <mc:Choice Requires="a14">
             <p:sp>
               <p:nvSpPr>
                 <p:cNvPr id="45" name="TextBox 44">
@@ -19990,7 +20608,7 @@
               </p:txBody>
             </p:sp>
           </mc:Choice>
-          <mc:Fallback>
+          <mc:Fallback xmlns="">
             <p:sp>
               <p:nvSpPr>
                 <p:cNvPr id="45" name="TextBox 44">
@@ -20035,8 +20653,8 @@
             </p:sp>
           </mc:Fallback>
         </mc:AlternateContent>
-        <mc:AlternateContent xmlns:mc="http://schemas.openxmlformats.org/markup-compatibility/2006">
-          <mc:Choice xmlns:a14="http://schemas.microsoft.com/office/drawing/2010/main" Requires="a14">
+        <mc:AlternateContent xmlns:mc="http://schemas.openxmlformats.org/markup-compatibility/2006" xmlns:a14="http://schemas.microsoft.com/office/drawing/2010/main">
+          <mc:Choice Requires="a14">
             <p:sp>
               <p:nvSpPr>
                 <p:cNvPr id="46" name="TextBox 45">
@@ -20158,7 +20776,7 @@
               </p:txBody>
             </p:sp>
           </mc:Choice>
-          <mc:Fallback>
+          <mc:Fallback xmlns="">
             <p:sp>
               <p:nvSpPr>
                 <p:cNvPr id="46" name="TextBox 45">
@@ -20275,8 +20893,8 @@
             </a:p>
           </p:txBody>
         </p:sp>
-        <mc:AlternateContent xmlns:mc="http://schemas.openxmlformats.org/markup-compatibility/2006">
-          <mc:Choice xmlns:a14="http://schemas.microsoft.com/office/drawing/2010/main" Requires="a14">
+        <mc:AlternateContent xmlns:mc="http://schemas.openxmlformats.org/markup-compatibility/2006" xmlns:a14="http://schemas.microsoft.com/office/drawing/2010/main">
+          <mc:Choice Requires="a14">
             <p:sp>
               <p:nvSpPr>
                 <p:cNvPr id="49" name="TextBox 48">
@@ -20398,7 +21016,7 @@
               </p:txBody>
             </p:sp>
           </mc:Choice>
-          <mc:Fallback>
+          <mc:Fallback xmlns="">
             <p:sp>
               <p:nvSpPr>
                 <p:cNvPr id="49" name="TextBox 48">
@@ -26609,24 +27227,13 @@
           </a:p>
           <a:p>
             <a:r>
+              <a:rPr lang="ko-KR" altLang="en-US" dirty="0"/>
+              <a:t>최근에 제안된 방법</a:t>
+            </a:r>
+            <a:r>
               <a:rPr lang="en-US" altLang="ko-KR" dirty="0"/>
-              <a:t>To be updated</a:t>
-            </a:r>
-          </a:p>
-          <a:p>
-            <a:r>
-              <a:rPr lang="en-US" altLang="ko-KR" dirty="0"/>
-              <a:t>Or</a:t>
-            </a:r>
-          </a:p>
-          <a:p>
-            <a:r>
-              <a:rPr lang="en-US" altLang="ko-KR" dirty="0"/>
-              <a:t>Delete</a:t>
-            </a:r>
-          </a:p>
-          <a:p>
-            <a:endParaRPr lang="ko-KR" altLang="en-US" dirty="0"/>
+              <a:t>..</a:t>
+            </a:r>
           </a:p>
         </p:txBody>
       </p:sp>

--- a/01. MLP & FFNN/MLP_FFNN_ByeongJo.pptx
+++ b/01. MLP & FFNN/MLP_FFNN_ByeongJo.pptx
@@ -5,7 +5,7 @@
     <p:sldMasterId id="2147483684" r:id="rId1"/>
   </p:sldMasterIdLst>
   <p:notesMasterIdLst>
-    <p:notesMasterId r:id="rId47"/>
+    <p:notesMasterId r:id="rId49"/>
   </p:notesMasterIdLst>
   <p:sldIdLst>
     <p:sldId id="258" r:id="rId2"/>
@@ -51,8 +51,10 @@
     <p:sldId id="322" r:id="rId42"/>
     <p:sldId id="320" r:id="rId43"/>
     <p:sldId id="304" r:id="rId44"/>
-    <p:sldId id="308" r:id="rId45"/>
-    <p:sldId id="307" r:id="rId46"/>
+    <p:sldId id="324" r:id="rId45"/>
+    <p:sldId id="308" r:id="rId46"/>
+    <p:sldId id="307" r:id="rId47"/>
+    <p:sldId id="325" r:id="rId48"/>
   </p:sldIdLst>
   <p:sldSz cx="12192000" cy="6858000"/>
   <p:notesSz cx="6858000" cy="9144000"/>
@@ -31044,6 +31046,222 @@
           <p:cNvPr id="2" name="제목 1">
             <a:extLst>
               <a:ext uri="{FF2B5EF4-FFF2-40B4-BE49-F238E27FC236}">
+                <a16:creationId xmlns:a16="http://schemas.microsoft.com/office/drawing/2014/main" id="{7D155D5E-AEDB-4D26-B1EB-141ECB772B4D}"/>
+              </a:ext>
+            </a:extLst>
+          </p:cNvPr>
+          <p:cNvSpPr>
+            <a:spLocks noGrp="1"/>
+          </p:cNvSpPr>
+          <p:nvPr>
+            <p:ph type="title"/>
+          </p:nvPr>
+        </p:nvSpPr>
+        <p:spPr/>
+        <p:txBody>
+          <a:bodyPr/>
+          <a:lstStyle/>
+          <a:p>
+            <a:r>
+              <a:rPr lang="en-US" altLang="ko-KR" dirty="0"/>
+              <a:t>Reference.</a:t>
+            </a:r>
+            <a:endParaRPr lang="ko-KR" altLang="en-US" dirty="0"/>
+          </a:p>
+        </p:txBody>
+      </p:sp>
+      <p:sp>
+        <p:nvSpPr>
+          <p:cNvPr id="3" name="내용 개체 틀 2">
+            <a:extLst>
+              <a:ext uri="{FF2B5EF4-FFF2-40B4-BE49-F238E27FC236}">
+                <a16:creationId xmlns:a16="http://schemas.microsoft.com/office/drawing/2014/main" id="{40C15A1B-B7F5-4032-922E-13401416246E}"/>
+              </a:ext>
+            </a:extLst>
+          </p:cNvPr>
+          <p:cNvSpPr>
+            <a:spLocks noGrp="1"/>
+          </p:cNvSpPr>
+          <p:nvPr>
+            <p:ph idx="1"/>
+          </p:nvPr>
+        </p:nvSpPr>
+        <p:spPr/>
+        <p:txBody>
+          <a:bodyPr/>
+          <a:lstStyle/>
+          <a:p>
+            <a:r>
+              <a:rPr lang="ko-KR" altLang="en-US" dirty="0"/>
+              <a:t>김성훈 교수 </a:t>
+            </a:r>
+            <a:r>
+              <a:rPr lang="ko-KR" altLang="en-US" dirty="0" err="1"/>
+              <a:t>딥러닝</a:t>
+            </a:r>
+            <a:r>
+              <a:rPr lang="ko-KR" altLang="en-US" dirty="0"/>
+              <a:t> </a:t>
+            </a:r>
+            <a:r>
+              <a:rPr lang="en-US" altLang="ko-KR" dirty="0"/>
+              <a:t>: </a:t>
+            </a:r>
+            <a:r>
+              <a:rPr lang="en-US" altLang="ko-KR" dirty="0">
+                <a:hlinkClick r:id="rId2"/>
+              </a:rPr>
+              <a:t>https://hunkim.github.io/ml</a:t>
+            </a:r>
+            <a:endParaRPr lang="en-US" altLang="ko-KR" dirty="0"/>
+          </a:p>
+          <a:p>
+            <a:r>
+              <a:rPr lang="en-US" altLang="ko-KR" dirty="0" err="1"/>
+              <a:t>Tensorflow</a:t>
+            </a:r>
+            <a:r>
+              <a:rPr lang="en-US" altLang="ko-KR" dirty="0"/>
+              <a:t> : </a:t>
+            </a:r>
+            <a:r>
+              <a:rPr lang="en-US" altLang="ko-KR" dirty="0">
+                <a:hlinkClick r:id="rId3"/>
+              </a:rPr>
+              <a:t>https://github.com/golbin/TensorFlow-Tutorials</a:t>
+            </a:r>
+            <a:endParaRPr lang="en-US" altLang="ko-KR" dirty="0"/>
+          </a:p>
+          <a:p>
+            <a:r>
+              <a:rPr lang="en-US" altLang="ko-KR" dirty="0">
+                <a:hlinkClick r:id="rId4"/>
+              </a:rPr>
+              <a:t>https://tensorflowkorea.gitbooks.io/tensorflow-kr/content/g3doc/tutorials/mnist/download/</a:t>
+            </a:r>
+            <a:endParaRPr lang="en-US" altLang="ko-KR" dirty="0"/>
+          </a:p>
+          <a:p>
+            <a:r>
+              <a:rPr lang="en-US" altLang="ko-KR" dirty="0"/>
+              <a:t>MLP : </a:t>
+            </a:r>
+            <a:r>
+              <a:rPr lang="en-US" altLang="ko-KR" dirty="0">
+                <a:hlinkClick r:id="rId5"/>
+              </a:rPr>
+              <a:t>http://ufldl.stanford.edu/tutorial/supervised/MultiLayerNeuralNetworks/</a:t>
+            </a:r>
+            <a:endParaRPr lang="en-US" altLang="ko-KR" dirty="0"/>
+          </a:p>
+          <a:p>
+            <a:r>
+              <a:rPr lang="en-US" altLang="ko-KR" dirty="0"/>
+              <a:t>Back propagation : </a:t>
+            </a:r>
+            <a:r>
+              <a:rPr lang="en-US" altLang="ko-KR" dirty="0">
+                <a:hlinkClick r:id="rId6"/>
+              </a:rPr>
+              <a:t>http://llnntms.tistory.com/31</a:t>
+            </a:r>
+            <a:endParaRPr lang="en-US" altLang="ko-KR" dirty="0"/>
+          </a:p>
+          <a:p>
+            <a:r>
+              <a:rPr lang="en-US" altLang="ko-KR" dirty="0"/>
+              <a:t>Gradient descent : </a:t>
+            </a:r>
+            <a:r>
+              <a:rPr lang="en-US" altLang="ko-KR" dirty="0">
+                <a:hlinkClick r:id="rId7"/>
+              </a:rPr>
+              <a:t>http://ruder.io/optimizing-gradient-descent/index.html</a:t>
+            </a:r>
+            <a:endParaRPr lang="en-US" altLang="ko-KR" dirty="0"/>
+          </a:p>
+          <a:p>
+            <a:r>
+              <a:rPr lang="en-US" altLang="ko-KR" dirty="0"/>
+              <a:t>Activation function : </a:t>
+            </a:r>
+            <a:r>
+              <a:rPr lang="en-US" altLang="ko-KR" dirty="0">
+                <a:hlinkClick r:id="rId8"/>
+              </a:rPr>
+              <a:t>https://ratsgo.github.io/deep%20learning/2017/04/22/NNtricks/</a:t>
+            </a:r>
+            <a:endParaRPr lang="en-US" altLang="ko-KR" dirty="0"/>
+          </a:p>
+          <a:p>
+            <a:r>
+              <a:rPr lang="en-US" altLang="ko-KR" dirty="0" err="1"/>
+              <a:t>Mnist</a:t>
+            </a:r>
+            <a:r>
+              <a:rPr lang="en-US" altLang="ko-KR" dirty="0"/>
+              <a:t> Data : </a:t>
+            </a:r>
+            <a:r>
+              <a:rPr lang="en-US" altLang="ko-KR" dirty="0">
+                <a:hlinkClick r:id="rId9"/>
+              </a:rPr>
+              <a:t>http://yann.lecun.com/exdb/mnist/</a:t>
+            </a:r>
+            <a:endParaRPr lang="en-US" altLang="ko-KR" dirty="0"/>
+          </a:p>
+          <a:p>
+            <a:endParaRPr lang="en-US" altLang="ko-KR" dirty="0"/>
+          </a:p>
+          <a:p>
+            <a:endParaRPr lang="en-US" altLang="ko-KR" dirty="0"/>
+          </a:p>
+          <a:p>
+            <a:endParaRPr lang="en-US" altLang="ko-KR" dirty="0"/>
+          </a:p>
+          <a:p>
+            <a:endParaRPr lang="en-US" altLang="ko-KR" dirty="0"/>
+          </a:p>
+          <a:p>
+            <a:endParaRPr lang="ko-KR" altLang="en-US" dirty="0"/>
+          </a:p>
+        </p:txBody>
+      </p:sp>
+    </p:spTree>
+    <p:extLst>
+      <p:ext uri="{BB962C8B-B14F-4D97-AF65-F5344CB8AC3E}">
+        <p14:creationId xmlns:p14="http://schemas.microsoft.com/office/powerpoint/2010/main" val="3567549543"/>
+      </p:ext>
+    </p:extLst>
+  </p:cSld>
+  <p:clrMapOvr>
+    <a:masterClrMapping/>
+  </p:clrMapOvr>
+</p:sld>
+</file>
+
+<file path=ppt/slides/slide45.xml><?xml version="1.0" encoding="utf-8"?>
+<p:sld xmlns:a="http://schemas.openxmlformats.org/drawingml/2006/main" xmlns:r="http://schemas.openxmlformats.org/officeDocument/2006/relationships" xmlns:p="http://schemas.openxmlformats.org/presentationml/2006/main">
+  <p:cSld>
+    <p:spTree>
+      <p:nvGrpSpPr>
+        <p:cNvPr id="1" name=""/>
+        <p:cNvGrpSpPr/>
+        <p:nvPr/>
+      </p:nvGrpSpPr>
+      <p:grpSpPr>
+        <a:xfrm>
+          <a:off x="0" y="0"/>
+          <a:ext cx="0" cy="0"/>
+          <a:chOff x="0" y="0"/>
+          <a:chExt cx="0" cy="0"/>
+        </a:xfrm>
+      </p:grpSpPr>
+      <p:sp>
+        <p:nvSpPr>
+          <p:cNvPr id="2" name="제목 1">
+            <a:extLst>
+              <a:ext uri="{FF2B5EF4-FFF2-40B4-BE49-F238E27FC236}">
                 <a16:creationId xmlns:a16="http://schemas.microsoft.com/office/drawing/2014/main" id="{64815087-A855-468D-A577-0F26964D9A91}"/>
               </a:ext>
             </a:extLst>
@@ -31106,7 +31324,7 @@
 </p:sld>
 </file>
 
-<file path=ppt/slides/slide45.xml><?xml version="1.0" encoding="utf-8"?>
+<file path=ppt/slides/slide46.xml><?xml version="1.0" encoding="utf-8"?>
 <p:sld xmlns:a="http://schemas.openxmlformats.org/drawingml/2006/main" xmlns:r="http://schemas.openxmlformats.org/officeDocument/2006/relationships" xmlns:p="http://schemas.openxmlformats.org/presentationml/2006/main">
   <p:cSld>
     <p:spTree>
@@ -31400,6 +31618,86 @@
     <p:extLst>
       <p:ext uri="{BB962C8B-B14F-4D97-AF65-F5344CB8AC3E}">
         <p14:creationId xmlns:p14="http://schemas.microsoft.com/office/powerpoint/2010/main" val="656471967"/>
+      </p:ext>
+    </p:extLst>
+  </p:cSld>
+  <p:clrMapOvr>
+    <a:masterClrMapping/>
+  </p:clrMapOvr>
+</p:sld>
+</file>
+
+<file path=ppt/slides/slide47.xml><?xml version="1.0" encoding="utf-8"?>
+<p:sld xmlns:a="http://schemas.openxmlformats.org/drawingml/2006/main" xmlns:r="http://schemas.openxmlformats.org/officeDocument/2006/relationships" xmlns:p="http://schemas.openxmlformats.org/presentationml/2006/main">
+  <p:cSld>
+    <p:spTree>
+      <p:nvGrpSpPr>
+        <p:cNvPr id="1" name=""/>
+        <p:cNvGrpSpPr/>
+        <p:nvPr/>
+      </p:nvGrpSpPr>
+      <p:grpSpPr>
+        <a:xfrm>
+          <a:off x="0" y="0"/>
+          <a:ext cx="0" cy="0"/>
+          <a:chOff x="0" y="0"/>
+          <a:chExt cx="0" cy="0"/>
+        </a:xfrm>
+      </p:grpSpPr>
+      <p:sp>
+        <p:nvSpPr>
+          <p:cNvPr id="2" name="제목 1">
+            <a:extLst>
+              <a:ext uri="{FF2B5EF4-FFF2-40B4-BE49-F238E27FC236}">
+                <a16:creationId xmlns:a16="http://schemas.microsoft.com/office/drawing/2014/main" id="{D42C3A05-90B3-4B25-8868-73C1EAB6FF46}"/>
+              </a:ext>
+            </a:extLst>
+          </p:cNvPr>
+          <p:cNvSpPr>
+            <a:spLocks noGrp="1"/>
+          </p:cNvSpPr>
+          <p:nvPr>
+            <p:ph type="title"/>
+          </p:nvPr>
+        </p:nvSpPr>
+        <p:spPr/>
+        <p:txBody>
+          <a:bodyPr/>
+          <a:lstStyle/>
+          <a:p>
+            <a:endParaRPr lang="ko-KR" altLang="en-US" dirty="0"/>
+          </a:p>
+        </p:txBody>
+      </p:sp>
+      <p:sp>
+        <p:nvSpPr>
+          <p:cNvPr id="3" name="내용 개체 틀 2">
+            <a:extLst>
+              <a:ext uri="{FF2B5EF4-FFF2-40B4-BE49-F238E27FC236}">
+                <a16:creationId xmlns:a16="http://schemas.microsoft.com/office/drawing/2014/main" id="{D3E28B06-3F02-46D3-8465-000B779F4FB5}"/>
+              </a:ext>
+            </a:extLst>
+          </p:cNvPr>
+          <p:cNvSpPr>
+            <a:spLocks noGrp="1"/>
+          </p:cNvSpPr>
+          <p:nvPr>
+            <p:ph idx="1"/>
+          </p:nvPr>
+        </p:nvSpPr>
+        <p:spPr/>
+        <p:txBody>
+          <a:bodyPr/>
+          <a:lstStyle/>
+          <a:p>
+            <a:endParaRPr lang="ko-KR" altLang="en-US"/>
+          </a:p>
+        </p:txBody>
+      </p:sp>
+    </p:spTree>
+    <p:extLst>
+      <p:ext uri="{BB962C8B-B14F-4D97-AF65-F5344CB8AC3E}">
+        <p14:creationId xmlns:p14="http://schemas.microsoft.com/office/powerpoint/2010/main" val="828703272"/>
       </p:ext>
     </p:extLst>
   </p:cSld>
